--- a/artefatos/15-Engenharia de Requisitos.pptx
+++ b/artefatos/15-Engenharia de Requisitos.pptx
@@ -245,7 +245,7 @@
           <a:p>
             <a:fld id="{B318167A-7346-46C7-A193-E3829EEED7F1}" type="datetimeFigureOut">
               <a:rPr lang="pt-BR" smtClean="0"/>
-              <a:t>05/09/2020</a:t>
+              <a:t>11/09/2020</a:t>
             </a:fld>
             <a:endParaRPr lang="pt-BR"/>
           </a:p>
@@ -413,7 +413,7 @@
           <a:p>
             <a:fld id="{B318167A-7346-46C7-A193-E3829EEED7F1}" type="datetimeFigureOut">
               <a:rPr lang="pt-BR" smtClean="0"/>
-              <a:t>05/09/2020</a:t>
+              <a:t>11/09/2020</a:t>
             </a:fld>
             <a:endParaRPr lang="pt-BR"/>
           </a:p>
@@ -591,7 +591,7 @@
           <a:p>
             <a:fld id="{B318167A-7346-46C7-A193-E3829EEED7F1}" type="datetimeFigureOut">
               <a:rPr lang="pt-BR" smtClean="0"/>
-              <a:t>05/09/2020</a:t>
+              <a:t>11/09/2020</a:t>
             </a:fld>
             <a:endParaRPr lang="pt-BR"/>
           </a:p>
@@ -759,7 +759,7 @@
           <a:p>
             <a:fld id="{B318167A-7346-46C7-A193-E3829EEED7F1}" type="datetimeFigureOut">
               <a:rPr lang="pt-BR" smtClean="0"/>
-              <a:t>05/09/2020</a:t>
+              <a:t>11/09/2020</a:t>
             </a:fld>
             <a:endParaRPr lang="pt-BR"/>
           </a:p>
@@ -1004,7 +1004,7 @@
           <a:p>
             <a:fld id="{B318167A-7346-46C7-A193-E3829EEED7F1}" type="datetimeFigureOut">
               <a:rPr lang="pt-BR" smtClean="0"/>
-              <a:t>05/09/2020</a:t>
+              <a:t>11/09/2020</a:t>
             </a:fld>
             <a:endParaRPr lang="pt-BR"/>
           </a:p>
@@ -1233,7 +1233,7 @@
           <a:p>
             <a:fld id="{B318167A-7346-46C7-A193-E3829EEED7F1}" type="datetimeFigureOut">
               <a:rPr lang="pt-BR" smtClean="0"/>
-              <a:t>05/09/2020</a:t>
+              <a:t>11/09/2020</a:t>
             </a:fld>
             <a:endParaRPr lang="pt-BR"/>
           </a:p>
@@ -1597,7 +1597,7 @@
           <a:p>
             <a:fld id="{B318167A-7346-46C7-A193-E3829EEED7F1}" type="datetimeFigureOut">
               <a:rPr lang="pt-BR" smtClean="0"/>
-              <a:t>05/09/2020</a:t>
+              <a:t>11/09/2020</a:t>
             </a:fld>
             <a:endParaRPr lang="pt-BR"/>
           </a:p>
@@ -1714,7 +1714,7 @@
           <a:p>
             <a:fld id="{B318167A-7346-46C7-A193-E3829EEED7F1}" type="datetimeFigureOut">
               <a:rPr lang="pt-BR" smtClean="0"/>
-              <a:t>05/09/2020</a:t>
+              <a:t>11/09/2020</a:t>
             </a:fld>
             <a:endParaRPr lang="pt-BR"/>
           </a:p>
@@ -1809,7 +1809,7 @@
           <a:p>
             <a:fld id="{B318167A-7346-46C7-A193-E3829EEED7F1}" type="datetimeFigureOut">
               <a:rPr lang="pt-BR" smtClean="0"/>
-              <a:t>05/09/2020</a:t>
+              <a:t>11/09/2020</a:t>
             </a:fld>
             <a:endParaRPr lang="pt-BR"/>
           </a:p>
@@ -2084,7 +2084,7 @@
           <a:p>
             <a:fld id="{B318167A-7346-46C7-A193-E3829EEED7F1}" type="datetimeFigureOut">
               <a:rPr lang="pt-BR" smtClean="0"/>
-              <a:t>05/09/2020</a:t>
+              <a:t>11/09/2020</a:t>
             </a:fld>
             <a:endParaRPr lang="pt-BR"/>
           </a:p>
@@ -2336,7 +2336,7 @@
           <a:p>
             <a:fld id="{B318167A-7346-46C7-A193-E3829EEED7F1}" type="datetimeFigureOut">
               <a:rPr lang="pt-BR" smtClean="0"/>
-              <a:t>05/09/2020</a:t>
+              <a:t>11/09/2020</a:t>
             </a:fld>
             <a:endParaRPr lang="pt-BR"/>
           </a:p>
@@ -2547,7 +2547,7 @@
           <a:p>
             <a:fld id="{B318167A-7346-46C7-A193-E3829EEED7F1}" type="datetimeFigureOut">
               <a:rPr lang="pt-BR" smtClean="0"/>
-              <a:t>05/09/2020</a:t>
+              <a:t>11/09/2020</a:t>
             </a:fld>
             <a:endParaRPr lang="pt-BR"/>
           </a:p>
@@ -3122,9 +3122,14 @@
           <a:p>
             <a:pPr algn="ctr"/>
             <a:r>
+              <a:rPr lang="pt-BR" dirty="0" smtClean="0"/>
+              <a:t>Loja/</a:t>
+            </a:r>
+            <a:r>
               <a:rPr lang="pt-BR" dirty="0"/>
-              <a:t>Loja</a:t>
-            </a:r>
+              <a:t>Franquia</a:t>
+            </a:r>
+            <a:endParaRPr lang="pt-BR" dirty="0"/>
           </a:p>
         </p:txBody>
       </p:sp>
@@ -3795,7 +3800,7 @@
         </p:nvCxnSpPr>
         <p:spPr>
           <a:xfrm>
-            <a:off x="9405870" y="2919981"/>
+            <a:off x="9405870" y="3325422"/>
             <a:ext cx="0" cy="752475"/>
           </a:xfrm>
           <a:prstGeom prst="line">
@@ -3825,7 +3830,7 @@
         </p:nvSpPr>
         <p:spPr>
           <a:xfrm>
-            <a:off x="8486153" y="2102635"/>
+            <a:off x="8486153" y="2508076"/>
             <a:ext cx="1839433" cy="817346"/>
           </a:xfrm>
           <a:prstGeom prst="cube">
@@ -3879,7 +3884,7 @@
         </p:nvSpPr>
         <p:spPr>
           <a:xfrm>
-            <a:off x="8486153" y="3664094"/>
+            <a:off x="8486153" y="4069535"/>
             <a:ext cx="1977656" cy="818707"/>
           </a:xfrm>
           <a:prstGeom prst="cube">
@@ -3973,7 +3978,7 @@
         </p:nvSpPr>
         <p:spPr>
           <a:xfrm>
-            <a:off x="7704529" y="1296429"/>
+            <a:off x="7704529" y="1701870"/>
             <a:ext cx="3173525" cy="646331"/>
           </a:xfrm>
           <a:prstGeom prst="rect">
